--- a/SLIDES/lec12.pptx
+++ b/SLIDES/lec12.pptx
@@ -232,7 +232,7 @@
           <a:p>
             <a:fld id="{75B8A4AD-30BE-4EB0-88E7-04F008072919}" type="datetimeFigureOut">
               <a:rPr lang="en-CA" smtClean="0"/>
-              <a:t>2021-10-19</a:t>
+              <a:t>2021-11-03</a:t>
             </a:fld>
             <a:endParaRPr lang="en-CA"/>
           </a:p>
@@ -4446,7 +4446,7 @@
           <a:p>
             <a:fld id="{A8DB9363-F440-4E1D-B0AF-94655AD61F33}" type="datetimeFigureOut">
               <a:rPr lang="en-CA" smtClean="0"/>
-              <a:t>2021-10-19</a:t>
+              <a:t>2021-11-03</a:t>
             </a:fld>
             <a:endParaRPr lang="en-CA"/>
           </a:p>
@@ -4616,7 +4616,7 @@
           <a:p>
             <a:fld id="{A8DB9363-F440-4E1D-B0AF-94655AD61F33}" type="datetimeFigureOut">
               <a:rPr lang="en-CA" smtClean="0"/>
-              <a:t>2021-10-19</a:t>
+              <a:t>2021-11-03</a:t>
             </a:fld>
             <a:endParaRPr lang="en-CA"/>
           </a:p>
@@ -4796,7 +4796,7 @@
           <a:p>
             <a:fld id="{A8DB9363-F440-4E1D-B0AF-94655AD61F33}" type="datetimeFigureOut">
               <a:rPr lang="en-CA" smtClean="0"/>
-              <a:t>2021-10-19</a:t>
+              <a:t>2021-11-03</a:t>
             </a:fld>
             <a:endParaRPr lang="en-CA"/>
           </a:p>
@@ -4966,7 +4966,7 @@
           <a:p>
             <a:fld id="{A8DB9363-F440-4E1D-B0AF-94655AD61F33}" type="datetimeFigureOut">
               <a:rPr lang="en-CA" smtClean="0"/>
-              <a:t>2021-10-19</a:t>
+              <a:t>2021-11-03</a:t>
             </a:fld>
             <a:endParaRPr lang="en-CA"/>
           </a:p>
@@ -5212,7 +5212,7 @@
           <a:p>
             <a:fld id="{A8DB9363-F440-4E1D-B0AF-94655AD61F33}" type="datetimeFigureOut">
               <a:rPr lang="en-CA" smtClean="0"/>
-              <a:t>2021-10-19</a:t>
+              <a:t>2021-11-03</a:t>
             </a:fld>
             <a:endParaRPr lang="en-CA"/>
           </a:p>
@@ -5500,7 +5500,7 @@
           <a:p>
             <a:fld id="{A8DB9363-F440-4E1D-B0AF-94655AD61F33}" type="datetimeFigureOut">
               <a:rPr lang="en-CA" smtClean="0"/>
-              <a:t>2021-10-19</a:t>
+              <a:t>2021-11-03</a:t>
             </a:fld>
             <a:endParaRPr lang="en-CA"/>
           </a:p>
@@ -5922,7 +5922,7 @@
           <a:p>
             <a:fld id="{A8DB9363-F440-4E1D-B0AF-94655AD61F33}" type="datetimeFigureOut">
               <a:rPr lang="en-CA" smtClean="0"/>
-              <a:t>2021-10-19</a:t>
+              <a:t>2021-11-03</a:t>
             </a:fld>
             <a:endParaRPr lang="en-CA"/>
           </a:p>
@@ -6040,7 +6040,7 @@
           <a:p>
             <a:fld id="{A8DB9363-F440-4E1D-B0AF-94655AD61F33}" type="datetimeFigureOut">
               <a:rPr lang="en-CA" smtClean="0"/>
-              <a:t>2021-10-19</a:t>
+              <a:t>2021-11-03</a:t>
             </a:fld>
             <a:endParaRPr lang="en-CA"/>
           </a:p>
@@ -6135,7 +6135,7 @@
           <a:p>
             <a:fld id="{A8DB9363-F440-4E1D-B0AF-94655AD61F33}" type="datetimeFigureOut">
               <a:rPr lang="en-CA" smtClean="0"/>
-              <a:t>2021-10-19</a:t>
+              <a:t>2021-11-03</a:t>
             </a:fld>
             <a:endParaRPr lang="en-CA"/>
           </a:p>
@@ -6412,7 +6412,7 @@
           <a:p>
             <a:fld id="{A8DB9363-F440-4E1D-B0AF-94655AD61F33}" type="datetimeFigureOut">
               <a:rPr lang="en-CA" smtClean="0"/>
-              <a:t>2021-10-19</a:t>
+              <a:t>2021-11-03</a:t>
             </a:fld>
             <a:endParaRPr lang="en-CA"/>
           </a:p>
@@ -6665,7 +6665,7 @@
           <a:p>
             <a:fld id="{A8DB9363-F440-4E1D-B0AF-94655AD61F33}" type="datetimeFigureOut">
               <a:rPr lang="en-CA" smtClean="0"/>
-              <a:t>2021-10-19</a:t>
+              <a:t>2021-11-03</a:t>
             </a:fld>
             <a:endParaRPr lang="en-CA"/>
           </a:p>
@@ -6878,7 +6878,7 @@
           <a:p>
             <a:fld id="{A8DB9363-F440-4E1D-B0AF-94655AD61F33}" type="datetimeFigureOut">
               <a:rPr lang="en-CA" smtClean="0"/>
-              <a:t>2021-10-19</a:t>
+              <a:t>2021-11-03</a:t>
             </a:fld>
             <a:endParaRPr lang="en-CA"/>
           </a:p>
@@ -9954,8 +9954,8 @@
           </a:p>
         </p:txBody>
       </p:sp>
-      <mc:AlternateContent xmlns:mc="http://schemas.openxmlformats.org/markup-compatibility/2006">
-        <mc:Choice xmlns:a14="http://schemas.microsoft.com/office/drawing/2010/main" Requires="a14">
+      <mc:AlternateContent xmlns:mc="http://schemas.openxmlformats.org/markup-compatibility/2006" xmlns:a14="http://schemas.microsoft.com/office/drawing/2010/main">
+        <mc:Choice Requires="a14">
           <p:sp>
             <p:nvSpPr>
               <p:cNvPr id="5" name="Rectangle 63">
@@ -10320,7 +10320,7 @@
             </p:txBody>
           </p:sp>
         </mc:Choice>
-        <mc:Fallback>
+        <mc:Fallback xmlns="">
           <p:sp>
             <p:nvSpPr>
               <p:cNvPr id="5" name="Rectangle 63">
@@ -10365,8 +10365,8 @@
           </p:sp>
         </mc:Fallback>
       </mc:AlternateContent>
-      <mc:AlternateContent xmlns:mc="http://schemas.openxmlformats.org/markup-compatibility/2006">
-        <mc:Choice xmlns:a14="http://schemas.microsoft.com/office/drawing/2010/main" Requires="a14">
+      <mc:AlternateContent xmlns:mc="http://schemas.openxmlformats.org/markup-compatibility/2006" xmlns:a14="http://schemas.microsoft.com/office/drawing/2010/main">
+        <mc:Choice Requires="a14">
           <p:sp>
             <p:nvSpPr>
               <p:cNvPr id="6" name="Rectangle 63">
@@ -10562,7 +10562,7 @@
             </p:txBody>
           </p:sp>
         </mc:Choice>
-        <mc:Fallback>
+        <mc:Fallback xmlns="">
           <p:sp>
             <p:nvSpPr>
               <p:cNvPr id="6" name="Rectangle 63">
@@ -10607,8 +10607,8 @@
           </p:sp>
         </mc:Fallback>
       </mc:AlternateContent>
-      <mc:AlternateContent xmlns:mc="http://schemas.openxmlformats.org/markup-compatibility/2006">
-        <mc:Choice xmlns:a14="http://schemas.microsoft.com/office/drawing/2010/main" Requires="a14">
+      <mc:AlternateContent xmlns:mc="http://schemas.openxmlformats.org/markup-compatibility/2006" xmlns:a14="http://schemas.microsoft.com/office/drawing/2010/main">
+        <mc:Choice Requires="a14">
           <p:sp>
             <p:nvSpPr>
               <p:cNvPr id="7" name="Rectangle 63">
@@ -10820,7 +10820,7 @@
             </p:txBody>
           </p:sp>
         </mc:Choice>
-        <mc:Fallback>
+        <mc:Fallback xmlns="">
           <p:sp>
             <p:nvSpPr>
               <p:cNvPr id="7" name="Rectangle 63">
@@ -10865,8 +10865,8 @@
           </p:sp>
         </mc:Fallback>
       </mc:AlternateContent>
-      <mc:AlternateContent xmlns:mc="http://schemas.openxmlformats.org/markup-compatibility/2006">
-        <mc:Choice xmlns:a14="http://schemas.microsoft.com/office/drawing/2010/main" Requires="a14">
+      <mc:AlternateContent xmlns:mc="http://schemas.openxmlformats.org/markup-compatibility/2006" xmlns:a14="http://schemas.microsoft.com/office/drawing/2010/main">
+        <mc:Choice Requires="a14">
           <p:sp>
             <p:nvSpPr>
               <p:cNvPr id="8" name="Rectangle 63">
@@ -11025,7 +11025,7 @@
             </p:txBody>
           </p:sp>
         </mc:Choice>
-        <mc:Fallback>
+        <mc:Fallback xmlns="">
           <p:sp>
             <p:nvSpPr>
               <p:cNvPr id="8" name="Rectangle 63">
@@ -11661,8 +11661,8 @@
           </a:p>
         </p:txBody>
       </p:sp>
-      <mc:AlternateContent xmlns:mc="http://schemas.openxmlformats.org/markup-compatibility/2006">
-        <mc:Choice xmlns:a14="http://schemas.microsoft.com/office/drawing/2010/main" Requires="a14">
+      <mc:AlternateContent xmlns:mc="http://schemas.openxmlformats.org/markup-compatibility/2006" xmlns:a14="http://schemas.microsoft.com/office/drawing/2010/main">
+        <mc:Choice Requires="a14">
           <p:sp>
             <p:nvSpPr>
               <p:cNvPr id="6" name="Rectangle 63">
@@ -11858,7 +11858,7 @@
             </p:txBody>
           </p:sp>
         </mc:Choice>
-        <mc:Fallback>
+        <mc:Fallback xmlns="">
           <p:sp>
             <p:nvSpPr>
               <p:cNvPr id="6" name="Rectangle 63">
@@ -11903,8 +11903,8 @@
           </p:sp>
         </mc:Fallback>
       </mc:AlternateContent>
-      <mc:AlternateContent xmlns:mc="http://schemas.openxmlformats.org/markup-compatibility/2006">
-        <mc:Choice xmlns:a14="http://schemas.microsoft.com/office/drawing/2010/main" Requires="a14">
+      <mc:AlternateContent xmlns:mc="http://schemas.openxmlformats.org/markup-compatibility/2006" xmlns:a14="http://schemas.microsoft.com/office/drawing/2010/main">
+        <mc:Choice Requires="a14">
           <p:sp>
             <p:nvSpPr>
               <p:cNvPr id="7" name="Rectangle 63">
@@ -12116,7 +12116,7 @@
             </p:txBody>
           </p:sp>
         </mc:Choice>
-        <mc:Fallback>
+        <mc:Fallback xmlns="">
           <p:sp>
             <p:nvSpPr>
               <p:cNvPr id="7" name="Rectangle 63">
@@ -12232,8 +12232,8 @@
           </a:p>
         </p:txBody>
       </p:sp>
-      <mc:AlternateContent xmlns:mc="http://schemas.openxmlformats.org/markup-compatibility/2006">
-        <mc:Choice xmlns:a14="http://schemas.microsoft.com/office/drawing/2010/main" Requires="a14">
+      <mc:AlternateContent xmlns:mc="http://schemas.openxmlformats.org/markup-compatibility/2006" xmlns:a14="http://schemas.microsoft.com/office/drawing/2010/main">
+        <mc:Choice Requires="a14">
           <p:sp>
             <p:nvSpPr>
               <p:cNvPr id="10" name="Rectangle 63">
@@ -12408,7 +12408,7 @@
             </p:txBody>
           </p:sp>
         </mc:Choice>
-        <mc:Fallback>
+        <mc:Fallback xmlns="">
           <p:sp>
             <p:nvSpPr>
               <p:cNvPr id="10" name="Rectangle 63">
@@ -12524,8 +12524,8 @@
           </a:p>
         </p:txBody>
       </p:sp>
-      <mc:AlternateContent xmlns:mc="http://schemas.openxmlformats.org/markup-compatibility/2006">
-        <mc:Choice xmlns:a14="http://schemas.microsoft.com/office/drawing/2010/main" Requires="a14">
+      <mc:AlternateContent xmlns:mc="http://schemas.openxmlformats.org/markup-compatibility/2006" xmlns:a14="http://schemas.microsoft.com/office/drawing/2010/main">
+        <mc:Choice Requires="a14">
           <p:sp>
             <p:nvSpPr>
               <p:cNvPr id="12" name="Rectangle 63">
@@ -12726,7 +12726,7 @@
             </p:txBody>
           </p:sp>
         </mc:Choice>
-        <mc:Fallback>
+        <mc:Fallback xmlns="">
           <p:sp>
             <p:nvSpPr>
               <p:cNvPr id="12" name="Rectangle 63">
@@ -13269,8 +13269,8 @@
           </a:p>
         </p:txBody>
       </p:sp>
-      <mc:AlternateContent xmlns:mc="http://schemas.openxmlformats.org/markup-compatibility/2006">
-        <mc:Choice xmlns:a14="http://schemas.microsoft.com/office/drawing/2010/main" Requires="a14">
+      <mc:AlternateContent xmlns:mc="http://schemas.openxmlformats.org/markup-compatibility/2006" xmlns:a14="http://schemas.microsoft.com/office/drawing/2010/main">
+        <mc:Choice Requires="a14">
           <p:sp>
             <p:nvSpPr>
               <p:cNvPr id="6" name="Rectangle 63">
@@ -13466,7 +13466,7 @@
             </p:txBody>
           </p:sp>
         </mc:Choice>
-        <mc:Fallback>
+        <mc:Fallback xmlns="">
           <p:sp>
             <p:nvSpPr>
               <p:cNvPr id="6" name="Rectangle 63">
@@ -13511,8 +13511,8 @@
           </p:sp>
         </mc:Fallback>
       </mc:AlternateContent>
-      <mc:AlternateContent xmlns:mc="http://schemas.openxmlformats.org/markup-compatibility/2006">
-        <mc:Choice xmlns:a14="http://schemas.microsoft.com/office/drawing/2010/main" Requires="a14">
+      <mc:AlternateContent xmlns:mc="http://schemas.openxmlformats.org/markup-compatibility/2006" xmlns:a14="http://schemas.microsoft.com/office/drawing/2010/main">
+        <mc:Choice Requires="a14">
           <p:sp>
             <p:nvSpPr>
               <p:cNvPr id="7" name="Rectangle 63">
@@ -13724,7 +13724,7 @@
             </p:txBody>
           </p:sp>
         </mc:Choice>
-        <mc:Fallback>
+        <mc:Fallback xmlns="">
           <p:sp>
             <p:nvSpPr>
               <p:cNvPr id="7" name="Rectangle 63">
@@ -14276,8 +14276,8 @@
           </a:p>
         </p:txBody>
       </p:sp>
-      <mc:AlternateContent xmlns:mc="http://schemas.openxmlformats.org/markup-compatibility/2006">
-        <mc:Choice xmlns:a14="http://schemas.microsoft.com/office/drawing/2010/main" Requires="a14">
+      <mc:AlternateContent xmlns:mc="http://schemas.openxmlformats.org/markup-compatibility/2006" xmlns:a14="http://schemas.microsoft.com/office/drawing/2010/main">
+        <mc:Choice Requires="a14">
           <p:sp>
             <p:nvSpPr>
               <p:cNvPr id="5" name="Rectangle 63">
@@ -14642,7 +14642,7 @@
             </p:txBody>
           </p:sp>
         </mc:Choice>
-        <mc:Fallback>
+        <mc:Fallback xmlns="">
           <p:sp>
             <p:nvSpPr>
               <p:cNvPr id="5" name="Rectangle 63">
@@ -14687,8 +14687,8 @@
           </p:sp>
         </mc:Fallback>
       </mc:AlternateContent>
-      <mc:AlternateContent xmlns:mc="http://schemas.openxmlformats.org/markup-compatibility/2006">
-        <mc:Choice xmlns:a14="http://schemas.microsoft.com/office/drawing/2010/main" Requires="a14">
+      <mc:AlternateContent xmlns:mc="http://schemas.openxmlformats.org/markup-compatibility/2006" xmlns:a14="http://schemas.microsoft.com/office/drawing/2010/main">
+        <mc:Choice Requires="a14">
           <p:sp>
             <p:nvSpPr>
               <p:cNvPr id="6" name="Rectangle 63">
@@ -14917,7 +14917,7 @@
             </p:txBody>
           </p:sp>
         </mc:Choice>
-        <mc:Fallback>
+        <mc:Fallback xmlns="">
           <p:sp>
             <p:nvSpPr>
               <p:cNvPr id="6" name="Rectangle 63">
@@ -14962,8 +14962,8 @@
           </p:sp>
         </mc:Fallback>
       </mc:AlternateContent>
-      <mc:AlternateContent xmlns:mc="http://schemas.openxmlformats.org/markup-compatibility/2006">
-        <mc:Choice xmlns:a14="http://schemas.microsoft.com/office/drawing/2010/main" Requires="a14">
+      <mc:AlternateContent xmlns:mc="http://schemas.openxmlformats.org/markup-compatibility/2006" xmlns:a14="http://schemas.microsoft.com/office/drawing/2010/main">
+        <mc:Choice Requires="a14">
           <p:sp>
             <p:nvSpPr>
               <p:cNvPr id="7" name="Rectangle 63">
@@ -15201,7 +15201,7 @@
             </p:txBody>
           </p:sp>
         </mc:Choice>
-        <mc:Fallback>
+        <mc:Fallback xmlns="">
           <p:sp>
             <p:nvSpPr>
               <p:cNvPr id="7" name="Rectangle 63">
@@ -15246,8 +15246,8 @@
           </p:sp>
         </mc:Fallback>
       </mc:AlternateContent>
-      <mc:AlternateContent xmlns:mc="http://schemas.openxmlformats.org/markup-compatibility/2006">
-        <mc:Choice xmlns:a14="http://schemas.microsoft.com/office/drawing/2010/main" Requires="a14">
+      <mc:AlternateContent xmlns:mc="http://schemas.openxmlformats.org/markup-compatibility/2006" xmlns:a14="http://schemas.microsoft.com/office/drawing/2010/main">
+        <mc:Choice Requires="a14">
           <p:sp>
             <p:nvSpPr>
               <p:cNvPr id="8" name="Rectangle 63">
@@ -15425,7 +15425,7 @@
             </p:txBody>
           </p:sp>
         </mc:Choice>
-        <mc:Fallback>
+        <mc:Fallback xmlns="">
           <p:sp>
             <p:nvSpPr>
               <p:cNvPr id="8" name="Rectangle 63">
@@ -15916,8 +15916,8 @@
           </a:p>
         </p:txBody>
       </p:sp>
-      <mc:AlternateContent xmlns:mc="http://schemas.openxmlformats.org/markup-compatibility/2006">
-        <mc:Choice xmlns:a14="http://schemas.microsoft.com/office/drawing/2010/main" Requires="a14">
+      <mc:AlternateContent xmlns:mc="http://schemas.openxmlformats.org/markup-compatibility/2006" xmlns:a14="http://schemas.microsoft.com/office/drawing/2010/main">
+        <mc:Choice Requires="a14">
           <p:sp>
             <p:nvSpPr>
               <p:cNvPr id="5" name="Rectangle 63">
@@ -16282,7 +16282,7 @@
             </p:txBody>
           </p:sp>
         </mc:Choice>
-        <mc:Fallback>
+        <mc:Fallback xmlns="">
           <p:sp>
             <p:nvSpPr>
               <p:cNvPr id="5" name="Rectangle 63">
@@ -16327,8 +16327,8 @@
           </p:sp>
         </mc:Fallback>
       </mc:AlternateContent>
-      <mc:AlternateContent xmlns:mc="http://schemas.openxmlformats.org/markup-compatibility/2006">
-        <mc:Choice xmlns:a14="http://schemas.microsoft.com/office/drawing/2010/main" Requires="a14">
+      <mc:AlternateContent xmlns:mc="http://schemas.openxmlformats.org/markup-compatibility/2006" xmlns:a14="http://schemas.microsoft.com/office/drawing/2010/main">
+        <mc:Choice Requires="a14">
           <p:sp>
             <p:nvSpPr>
               <p:cNvPr id="6" name="Rectangle 63">
@@ -16557,7 +16557,7 @@
             </p:txBody>
           </p:sp>
         </mc:Choice>
-        <mc:Fallback>
+        <mc:Fallback xmlns="">
           <p:sp>
             <p:nvSpPr>
               <p:cNvPr id="6" name="Rectangle 63">
@@ -16602,8 +16602,8 @@
           </p:sp>
         </mc:Fallback>
       </mc:AlternateContent>
-      <mc:AlternateContent xmlns:mc="http://schemas.openxmlformats.org/markup-compatibility/2006">
-        <mc:Choice xmlns:a14="http://schemas.microsoft.com/office/drawing/2010/main" Requires="a14">
+      <mc:AlternateContent xmlns:mc="http://schemas.openxmlformats.org/markup-compatibility/2006" xmlns:a14="http://schemas.microsoft.com/office/drawing/2010/main">
+        <mc:Choice Requires="a14">
           <p:sp>
             <p:nvSpPr>
               <p:cNvPr id="7" name="Rectangle 63">
@@ -16841,7 +16841,7 @@
             </p:txBody>
           </p:sp>
         </mc:Choice>
-        <mc:Fallback>
+        <mc:Fallback xmlns="">
           <p:sp>
             <p:nvSpPr>
               <p:cNvPr id="7" name="Rectangle 63">
@@ -16886,8 +16886,8 @@
           </p:sp>
         </mc:Fallback>
       </mc:AlternateContent>
-      <mc:AlternateContent xmlns:mc="http://schemas.openxmlformats.org/markup-compatibility/2006">
-        <mc:Choice xmlns:a14="http://schemas.microsoft.com/office/drawing/2010/main" Requires="a14">
+      <mc:AlternateContent xmlns:mc="http://schemas.openxmlformats.org/markup-compatibility/2006" xmlns:a14="http://schemas.microsoft.com/office/drawing/2010/main">
+        <mc:Choice Requires="a14">
           <p:sp>
             <p:nvSpPr>
               <p:cNvPr id="8" name="Rectangle 63">
@@ -17065,7 +17065,7 @@
             </p:txBody>
           </p:sp>
         </mc:Choice>
-        <mc:Fallback>
+        <mc:Fallback xmlns="">
           <p:sp>
             <p:nvSpPr>
               <p:cNvPr id="8" name="Rectangle 63">
@@ -17478,8 +17478,8 @@
           </a:p>
         </p:txBody>
       </p:sp>
-      <mc:AlternateContent xmlns:mc="http://schemas.openxmlformats.org/markup-compatibility/2006">
-        <mc:Choice xmlns:a14="http://schemas.microsoft.com/office/drawing/2010/main" Requires="a14">
+      <mc:AlternateContent xmlns:mc="http://schemas.openxmlformats.org/markup-compatibility/2006" xmlns:a14="http://schemas.microsoft.com/office/drawing/2010/main">
+        <mc:Choice Requires="a14">
           <p:sp>
             <p:nvSpPr>
               <p:cNvPr id="5" name="Rectangle 63">
@@ -17844,7 +17844,7 @@
             </p:txBody>
           </p:sp>
         </mc:Choice>
-        <mc:Fallback>
+        <mc:Fallback xmlns="">
           <p:sp>
             <p:nvSpPr>
               <p:cNvPr id="5" name="Rectangle 63">
@@ -17889,8 +17889,8 @@
           </p:sp>
         </mc:Fallback>
       </mc:AlternateContent>
-      <mc:AlternateContent xmlns:mc="http://schemas.openxmlformats.org/markup-compatibility/2006">
-        <mc:Choice xmlns:a14="http://schemas.microsoft.com/office/drawing/2010/main" Requires="a14">
+      <mc:AlternateContent xmlns:mc="http://schemas.openxmlformats.org/markup-compatibility/2006" xmlns:a14="http://schemas.microsoft.com/office/drawing/2010/main">
+        <mc:Choice Requires="a14">
           <p:sp>
             <p:nvSpPr>
               <p:cNvPr id="6" name="Rectangle 63">
@@ -18119,7 +18119,7 @@
             </p:txBody>
           </p:sp>
         </mc:Choice>
-        <mc:Fallback>
+        <mc:Fallback xmlns="">
           <p:sp>
             <p:nvSpPr>
               <p:cNvPr id="6" name="Rectangle 63">
@@ -18164,8 +18164,8 @@
           </p:sp>
         </mc:Fallback>
       </mc:AlternateContent>
-      <mc:AlternateContent xmlns:mc="http://schemas.openxmlformats.org/markup-compatibility/2006">
-        <mc:Choice xmlns:a14="http://schemas.microsoft.com/office/drawing/2010/main" Requires="a14">
+      <mc:AlternateContent xmlns:mc="http://schemas.openxmlformats.org/markup-compatibility/2006" xmlns:a14="http://schemas.microsoft.com/office/drawing/2010/main">
+        <mc:Choice Requires="a14">
           <p:sp>
             <p:nvSpPr>
               <p:cNvPr id="7" name="Rectangle 63">
@@ -18403,7 +18403,7 @@
             </p:txBody>
           </p:sp>
         </mc:Choice>
-        <mc:Fallback>
+        <mc:Fallback xmlns="">
           <p:sp>
             <p:nvSpPr>
               <p:cNvPr id="7" name="Rectangle 63">
@@ -18448,8 +18448,8 @@
           </p:sp>
         </mc:Fallback>
       </mc:AlternateContent>
-      <mc:AlternateContent xmlns:mc="http://schemas.openxmlformats.org/markup-compatibility/2006">
-        <mc:Choice xmlns:a14="http://schemas.microsoft.com/office/drawing/2010/main" Requires="a14">
+      <mc:AlternateContent xmlns:mc="http://schemas.openxmlformats.org/markup-compatibility/2006" xmlns:a14="http://schemas.microsoft.com/office/drawing/2010/main">
+        <mc:Choice Requires="a14">
           <p:sp>
             <p:nvSpPr>
               <p:cNvPr id="8" name="Rectangle 63">
@@ -18627,7 +18627,7 @@
             </p:txBody>
           </p:sp>
         </mc:Choice>
-        <mc:Fallback>
+        <mc:Fallback xmlns="">
           <p:sp>
             <p:nvSpPr>
               <p:cNvPr id="8" name="Rectangle 63">
@@ -19081,8 +19081,8 @@
           </a:p>
         </p:txBody>
       </p:sp>
-      <mc:AlternateContent xmlns:mc="http://schemas.openxmlformats.org/markup-compatibility/2006">
-        <mc:Choice xmlns:a14="http://schemas.microsoft.com/office/drawing/2010/main" Requires="a14">
+      <mc:AlternateContent xmlns:mc="http://schemas.openxmlformats.org/markup-compatibility/2006" xmlns:a14="http://schemas.microsoft.com/office/drawing/2010/main">
+        <mc:Choice Requires="a14">
           <p:sp>
             <p:nvSpPr>
               <p:cNvPr id="5" name="Rectangle 63">
@@ -19447,7 +19447,7 @@
             </p:txBody>
           </p:sp>
         </mc:Choice>
-        <mc:Fallback>
+        <mc:Fallback xmlns="">
           <p:sp>
             <p:nvSpPr>
               <p:cNvPr id="5" name="Rectangle 63">
@@ -19492,8 +19492,8 @@
           </p:sp>
         </mc:Fallback>
       </mc:AlternateContent>
-      <mc:AlternateContent xmlns:mc="http://schemas.openxmlformats.org/markup-compatibility/2006">
-        <mc:Choice xmlns:a14="http://schemas.microsoft.com/office/drawing/2010/main" Requires="a14">
+      <mc:AlternateContent xmlns:mc="http://schemas.openxmlformats.org/markup-compatibility/2006" xmlns:a14="http://schemas.microsoft.com/office/drawing/2010/main">
+        <mc:Choice Requires="a14">
           <p:sp>
             <p:nvSpPr>
               <p:cNvPr id="6" name="Rectangle 63">
@@ -19722,7 +19722,7 @@
             </p:txBody>
           </p:sp>
         </mc:Choice>
-        <mc:Fallback>
+        <mc:Fallback xmlns="">
           <p:sp>
             <p:nvSpPr>
               <p:cNvPr id="6" name="Rectangle 63">
@@ -19767,8 +19767,8 @@
           </p:sp>
         </mc:Fallback>
       </mc:AlternateContent>
-      <mc:AlternateContent xmlns:mc="http://schemas.openxmlformats.org/markup-compatibility/2006">
-        <mc:Choice xmlns:a14="http://schemas.microsoft.com/office/drawing/2010/main" Requires="a14">
+      <mc:AlternateContent xmlns:mc="http://schemas.openxmlformats.org/markup-compatibility/2006" xmlns:a14="http://schemas.microsoft.com/office/drawing/2010/main">
+        <mc:Choice Requires="a14">
           <p:sp>
             <p:nvSpPr>
               <p:cNvPr id="7" name="Rectangle 63">
@@ -20006,7 +20006,7 @@
             </p:txBody>
           </p:sp>
         </mc:Choice>
-        <mc:Fallback>
+        <mc:Fallback xmlns="">
           <p:sp>
             <p:nvSpPr>
               <p:cNvPr id="7" name="Rectangle 63">
@@ -20051,8 +20051,8 @@
           </p:sp>
         </mc:Fallback>
       </mc:AlternateContent>
-      <mc:AlternateContent xmlns:mc="http://schemas.openxmlformats.org/markup-compatibility/2006">
-        <mc:Choice xmlns:a14="http://schemas.microsoft.com/office/drawing/2010/main" Requires="a14">
+      <mc:AlternateContent xmlns:mc="http://schemas.openxmlformats.org/markup-compatibility/2006" xmlns:a14="http://schemas.microsoft.com/office/drawing/2010/main">
+        <mc:Choice Requires="a14">
           <p:sp>
             <p:nvSpPr>
               <p:cNvPr id="8" name="Rectangle 63">
@@ -20230,7 +20230,7 @@
             </p:txBody>
           </p:sp>
         </mc:Choice>
-        <mc:Fallback>
+        <mc:Fallback xmlns="">
           <p:sp>
             <p:nvSpPr>
               <p:cNvPr id="8" name="Rectangle 63">
@@ -20742,8 +20742,8 @@
           </a:p>
         </p:txBody>
       </p:sp>
-      <mc:AlternateContent xmlns:mc="http://schemas.openxmlformats.org/markup-compatibility/2006">
-        <mc:Choice xmlns:a14="http://schemas.microsoft.com/office/drawing/2010/main" Requires="a14">
+      <mc:AlternateContent xmlns:mc="http://schemas.openxmlformats.org/markup-compatibility/2006" xmlns:a14="http://schemas.microsoft.com/office/drawing/2010/main">
+        <mc:Choice Requires="a14">
           <p:sp>
             <p:nvSpPr>
               <p:cNvPr id="19" name="Rectangle 63">
@@ -21147,7 +21147,7 @@
             </p:txBody>
           </p:sp>
         </mc:Choice>
-        <mc:Fallback>
+        <mc:Fallback xmlns="">
           <p:sp>
             <p:nvSpPr>
               <p:cNvPr id="19" name="Rectangle 63">
@@ -21309,7 +21309,7 @@
         </p:blipFill>
         <p:spPr>
           <a:xfrm>
-            <a:off x="6156176" y="2035640"/>
+            <a:off x="7765537" y="846154"/>
             <a:ext cx="669710" cy="933535"/>
           </a:xfrm>
           <a:prstGeom prst="rect">
@@ -21364,8 +21364,8 @@
           </a:p>
         </p:txBody>
       </p:sp>
-      <mc:AlternateContent xmlns:mc="http://schemas.openxmlformats.org/markup-compatibility/2006">
-        <mc:Choice xmlns:a14="http://schemas.microsoft.com/office/drawing/2010/main" Requires="a14">
+      <mc:AlternateContent xmlns:mc="http://schemas.openxmlformats.org/markup-compatibility/2006" xmlns:a14="http://schemas.microsoft.com/office/drawing/2010/main">
+        <mc:Choice Requires="a14">
           <p:sp>
             <p:nvSpPr>
               <p:cNvPr id="29" name="Rectangle 63">
@@ -21536,7 +21536,7 @@
                     <m:d>
                       <m:dPr>
                         <m:ctrlPr>
-                          <a:rPr lang="en-US" sz="2800" b="0" i="0" smtClean="0">
+                          <a:rPr lang="en-US" sz="2800" b="0" i="1" smtClean="0">
                             <a:latin typeface="Cambria Math" panose="02040503050406030204" pitchFamily="18" charset="0"/>
                             <a:ea typeface="American Typewriter" charset="0"/>
                             <a:cs typeface="American Typewriter" charset="0"/>
@@ -21571,7 +21571,7 @@
             </p:txBody>
           </p:sp>
         </mc:Choice>
-        <mc:Fallback>
+        <mc:Fallback xmlns="">
           <p:sp>
             <p:nvSpPr>
               <p:cNvPr id="29" name="Rectangle 63">
@@ -22786,8 +22786,8 @@
             <a:chExt cx="3490630" cy="1908212"/>
           </a:xfrm>
         </p:grpSpPr>
-        <mc:AlternateContent xmlns:mc="http://schemas.openxmlformats.org/markup-compatibility/2006">
-          <mc:Choice xmlns:a14="http://schemas.microsoft.com/office/drawing/2010/main" Requires="a14">
+        <mc:AlternateContent xmlns:mc="http://schemas.openxmlformats.org/markup-compatibility/2006" xmlns:a14="http://schemas.microsoft.com/office/drawing/2010/main">
+          <mc:Choice Requires="a14">
             <p:sp>
               <p:nvSpPr>
                 <p:cNvPr id="12" name="Rectangle 63">
@@ -22858,7 +22858,7 @@
               </p:txBody>
             </p:sp>
           </mc:Choice>
-          <mc:Fallback>
+          <mc:Fallback xmlns="">
             <p:sp>
               <p:nvSpPr>
                 <p:cNvPr id="12" name="Rectangle 63">
@@ -22996,8 +22996,8 @@
           </p:spPr>
         </p:pic>
       </p:grpSp>
-      <mc:AlternateContent xmlns:mc="http://schemas.openxmlformats.org/markup-compatibility/2006">
-        <mc:Choice xmlns:a14="http://schemas.microsoft.com/office/drawing/2010/main" Requires="a14">
+      <mc:AlternateContent xmlns:mc="http://schemas.openxmlformats.org/markup-compatibility/2006" xmlns:a14="http://schemas.microsoft.com/office/drawing/2010/main">
+        <mc:Choice Requires="a14">
           <p:sp>
             <p:nvSpPr>
               <p:cNvPr id="15" name="Rectangle 63">
@@ -23113,7 +23113,7 @@
             </p:txBody>
           </p:sp>
         </mc:Choice>
-        <mc:Fallback>
+        <mc:Fallback xmlns="">
           <p:sp>
             <p:nvSpPr>
               <p:cNvPr id="15" name="Rectangle 63">
@@ -23316,8 +23316,8 @@
           </a:p>
         </p:txBody>
       </p:sp>
-      <mc:AlternateContent xmlns:mc="http://schemas.openxmlformats.org/markup-compatibility/2006">
-        <mc:Choice xmlns:a14="http://schemas.microsoft.com/office/drawing/2010/main" Requires="a14">
+      <mc:AlternateContent xmlns:mc="http://schemas.openxmlformats.org/markup-compatibility/2006" xmlns:a14="http://schemas.microsoft.com/office/drawing/2010/main">
+        <mc:Choice Requires="a14">
           <p:sp>
             <p:nvSpPr>
               <p:cNvPr id="22" name="Rectangle 63">
@@ -23390,7 +23390,7 @@
             </p:txBody>
           </p:sp>
         </mc:Choice>
-        <mc:Fallback>
+        <mc:Fallback xmlns="">
           <p:sp>
             <p:nvSpPr>
               <p:cNvPr id="22" name="Rectangle 63">
@@ -23435,8 +23435,8 @@
           </p:sp>
         </mc:Fallback>
       </mc:AlternateContent>
-      <mc:AlternateContent xmlns:mc="http://schemas.openxmlformats.org/markup-compatibility/2006">
-        <mc:Choice xmlns:a14="http://schemas.microsoft.com/office/drawing/2010/main" Requires="a14">
+      <mc:AlternateContent xmlns:mc="http://schemas.openxmlformats.org/markup-compatibility/2006" xmlns:a14="http://schemas.microsoft.com/office/drawing/2010/main">
+        <mc:Choice Requires="a14">
           <p:sp>
             <p:nvSpPr>
               <p:cNvPr id="24" name="Rectangle 63">
@@ -23533,7 +23533,7 @@
             </p:txBody>
           </p:sp>
         </mc:Choice>
-        <mc:Fallback>
+        <mc:Fallback xmlns="">
           <p:sp>
             <p:nvSpPr>
               <p:cNvPr id="24" name="Rectangle 63">
@@ -24485,8 +24485,8 @@
           </a:p>
         </p:txBody>
       </p:sp>
-      <mc:AlternateContent xmlns:mc="http://schemas.openxmlformats.org/markup-compatibility/2006">
-        <mc:Choice xmlns:a14="http://schemas.microsoft.com/office/drawing/2010/main" Requires="a14">
+      <mc:AlternateContent xmlns:mc="http://schemas.openxmlformats.org/markup-compatibility/2006" xmlns:a14="http://schemas.microsoft.com/office/drawing/2010/main">
+        <mc:Choice Requires="a14">
           <p:sp>
             <p:nvSpPr>
               <p:cNvPr id="4" name="Rectangle 63">
@@ -24576,7 +24576,7 @@
             </p:txBody>
           </p:sp>
         </mc:Choice>
-        <mc:Fallback>
+        <mc:Fallback xmlns="">
           <p:sp>
             <p:nvSpPr>
               <p:cNvPr id="4" name="Rectangle 63">
@@ -24621,8 +24621,8 @@
           </p:sp>
         </mc:Fallback>
       </mc:AlternateContent>
-      <mc:AlternateContent xmlns:mc="http://schemas.openxmlformats.org/markup-compatibility/2006">
-        <mc:Choice xmlns:a14="http://schemas.microsoft.com/office/drawing/2010/main" Requires="a14">
+      <mc:AlternateContent xmlns:mc="http://schemas.openxmlformats.org/markup-compatibility/2006" xmlns:a14="http://schemas.microsoft.com/office/drawing/2010/main">
+        <mc:Choice Requires="a14">
           <p:sp>
             <p:nvSpPr>
               <p:cNvPr id="5" name="Rectangle 63">
@@ -24700,7 +24700,7 @@
             </p:txBody>
           </p:sp>
         </mc:Choice>
-        <mc:Fallback>
+        <mc:Fallback xmlns="">
           <p:sp>
             <p:nvSpPr>
               <p:cNvPr id="5" name="Rectangle 63">
@@ -25011,8 +25011,8 @@
           </a:fontRef>
         </p:style>
       </p:cxnSp>
-      <mc:AlternateContent xmlns:mc="http://schemas.openxmlformats.org/markup-compatibility/2006">
-        <mc:Choice xmlns:a14="http://schemas.microsoft.com/office/drawing/2010/main" Requires="a14">
+      <mc:AlternateContent xmlns:mc="http://schemas.openxmlformats.org/markup-compatibility/2006" xmlns:a14="http://schemas.microsoft.com/office/drawing/2010/main">
+        <mc:Choice Requires="a14">
           <p:sp>
             <p:nvSpPr>
               <p:cNvPr id="17" name="Rectangle 63">
@@ -25084,7 +25084,7 @@
             </p:txBody>
           </p:sp>
         </mc:Choice>
-        <mc:Fallback>
+        <mc:Fallback xmlns="">
           <p:sp>
             <p:nvSpPr>
               <p:cNvPr id="17" name="Rectangle 63">
@@ -25171,8 +25171,8 @@
           </a:fontRef>
         </p:style>
       </p:cxnSp>
-      <mc:AlternateContent xmlns:mc="http://schemas.openxmlformats.org/markup-compatibility/2006">
-        <mc:Choice xmlns:a14="http://schemas.microsoft.com/office/drawing/2010/main" Requires="a14">
+      <mc:AlternateContent xmlns:mc="http://schemas.openxmlformats.org/markup-compatibility/2006" xmlns:a14="http://schemas.microsoft.com/office/drawing/2010/main">
+        <mc:Choice Requires="a14">
           <p:sp>
             <p:nvSpPr>
               <p:cNvPr id="19" name="Rectangle 63">
@@ -25312,7 +25312,7 @@
             </p:txBody>
           </p:sp>
         </mc:Choice>
-        <mc:Fallback>
+        <mc:Fallback xmlns="">
           <p:sp>
             <p:nvSpPr>
               <p:cNvPr id="19" name="Rectangle 63">
@@ -25357,8 +25357,8 @@
           </p:sp>
         </mc:Fallback>
       </mc:AlternateContent>
-      <mc:AlternateContent xmlns:mc="http://schemas.openxmlformats.org/markup-compatibility/2006">
-        <mc:Choice xmlns:a14="http://schemas.microsoft.com/office/drawing/2010/main" Requires="a14">
+      <mc:AlternateContent xmlns:mc="http://schemas.openxmlformats.org/markup-compatibility/2006" xmlns:a14="http://schemas.microsoft.com/office/drawing/2010/main">
+        <mc:Choice Requires="a14">
           <p:sp>
             <p:nvSpPr>
               <p:cNvPr id="15" name="Rectangle 63">
@@ -25440,7 +25440,7 @@
             </p:txBody>
           </p:sp>
         </mc:Choice>
-        <mc:Fallback>
+        <mc:Fallback xmlns="">
           <p:sp>
             <p:nvSpPr>
               <p:cNvPr id="15" name="Rectangle 63">
@@ -26025,8 +26025,8 @@
           </a:p>
         </p:txBody>
       </p:sp>
-      <mc:AlternateContent xmlns:mc="http://schemas.openxmlformats.org/markup-compatibility/2006">
-        <mc:Choice xmlns:a14="http://schemas.microsoft.com/office/drawing/2010/main" Requires="a14">
+      <mc:AlternateContent xmlns:mc="http://schemas.openxmlformats.org/markup-compatibility/2006" xmlns:a14="http://schemas.microsoft.com/office/drawing/2010/main">
+        <mc:Choice Requires="a14">
           <p:sp>
             <p:nvSpPr>
               <p:cNvPr id="4" name="Rectangle 63">
@@ -26135,7 +26135,7 @@
             </p:txBody>
           </p:sp>
         </mc:Choice>
-        <mc:Fallback>
+        <mc:Fallback xmlns="">
           <p:sp>
             <p:nvSpPr>
               <p:cNvPr id="4" name="Rectangle 63">
@@ -26180,8 +26180,8 @@
           </p:sp>
         </mc:Fallback>
       </mc:AlternateContent>
-      <mc:AlternateContent xmlns:mc="http://schemas.openxmlformats.org/markup-compatibility/2006">
-        <mc:Choice xmlns:a14="http://schemas.microsoft.com/office/drawing/2010/main" Requires="a14">
+      <mc:AlternateContent xmlns:mc="http://schemas.openxmlformats.org/markup-compatibility/2006" xmlns:a14="http://schemas.microsoft.com/office/drawing/2010/main">
+        <mc:Choice Requires="a14">
           <p:sp>
             <p:nvSpPr>
               <p:cNvPr id="5" name="Rectangle 63">
@@ -26259,7 +26259,7 @@
             </p:txBody>
           </p:sp>
         </mc:Choice>
-        <mc:Fallback>
+        <mc:Fallback xmlns="">
           <p:sp>
             <p:nvSpPr>
               <p:cNvPr id="5" name="Rectangle 63">
@@ -26351,8 +26351,8 @@
           </a:p>
         </p:txBody>
       </p:sp>
-      <mc:AlternateContent xmlns:mc="http://schemas.openxmlformats.org/markup-compatibility/2006">
-        <mc:Choice xmlns:a14="http://schemas.microsoft.com/office/drawing/2010/main" Requires="a14">
+      <mc:AlternateContent xmlns:mc="http://schemas.openxmlformats.org/markup-compatibility/2006" xmlns:a14="http://schemas.microsoft.com/office/drawing/2010/main">
+        <mc:Choice Requires="a14">
           <p:sp>
             <p:nvSpPr>
               <p:cNvPr id="7" name="Rectangle 6">
@@ -26380,6 +26380,7 @@
               </a:bodyPr>
               <a:lstStyle/>
               <a:p>
+                <a:pPr/>
                 <a14:m>
                   <m:oMathPara xmlns:m="http://schemas.openxmlformats.org/officeDocument/2006/math">
                     <m:oMathParaPr>
@@ -26405,7 +26406,7 @@
             </p:txBody>
           </p:sp>
         </mc:Choice>
-        <mc:Fallback>
+        <mc:Fallback xmlns="">
           <p:sp>
             <p:nvSpPr>
               <p:cNvPr id="7" name="Rectangle 6">
@@ -26491,8 +26492,8 @@
           </a:fontRef>
         </p:style>
       </p:cxnSp>
-      <mc:AlternateContent xmlns:mc="http://schemas.openxmlformats.org/markup-compatibility/2006">
-        <mc:Choice xmlns:a14="http://schemas.microsoft.com/office/drawing/2010/main" Requires="a14">
+      <mc:AlternateContent xmlns:mc="http://schemas.openxmlformats.org/markup-compatibility/2006" xmlns:a14="http://schemas.microsoft.com/office/drawing/2010/main">
+        <mc:Choice Requires="a14">
           <p:sp>
             <p:nvSpPr>
               <p:cNvPr id="20" name="Rectangle 63">
@@ -26604,7 +26605,7 @@
             </p:txBody>
           </p:sp>
         </mc:Choice>
-        <mc:Fallback>
+        <mc:Fallback xmlns="">
           <p:sp>
             <p:nvSpPr>
               <p:cNvPr id="20" name="Rectangle 63">
@@ -26690,8 +26691,8 @@
           </a:fontRef>
         </p:style>
       </p:cxnSp>
-      <mc:AlternateContent xmlns:mc="http://schemas.openxmlformats.org/markup-compatibility/2006">
-        <mc:Choice xmlns:a14="http://schemas.microsoft.com/office/drawing/2010/main" Requires="a14">
+      <mc:AlternateContent xmlns:mc="http://schemas.openxmlformats.org/markup-compatibility/2006" xmlns:a14="http://schemas.microsoft.com/office/drawing/2010/main">
+        <mc:Choice Requires="a14">
           <p:sp>
             <p:nvSpPr>
               <p:cNvPr id="22" name="Rectangle 63">
@@ -26811,7 +26812,7 @@
             </p:txBody>
           </p:sp>
         </mc:Choice>
-        <mc:Fallback>
+        <mc:Fallback xmlns="">
           <p:sp>
             <p:nvSpPr>
               <p:cNvPr id="22" name="Rectangle 63">
@@ -27019,8 +27020,8 @@
             </a:fontRef>
           </p:style>
         </p:cxnSp>
-        <mc:AlternateContent xmlns:mc="http://schemas.openxmlformats.org/markup-compatibility/2006">
-          <mc:Choice xmlns:a14="http://schemas.microsoft.com/office/drawing/2010/main" Requires="a14">
+        <mc:AlternateContent xmlns:mc="http://schemas.openxmlformats.org/markup-compatibility/2006" xmlns:a14="http://schemas.microsoft.com/office/drawing/2010/main">
+          <mc:Choice Requires="a14">
             <p:sp>
               <p:nvSpPr>
                 <p:cNvPr id="26" name="Rectangle 63">
@@ -27138,7 +27139,7 @@
               </p:txBody>
             </p:sp>
           </mc:Choice>
-          <mc:Fallback>
+          <mc:Fallback xmlns="">
             <p:sp>
               <p:nvSpPr>
                 <p:cNvPr id="26" name="Rectangle 63">
@@ -27183,8 +27184,8 @@
             </p:sp>
           </mc:Fallback>
         </mc:AlternateContent>
-        <mc:AlternateContent xmlns:mc="http://schemas.openxmlformats.org/markup-compatibility/2006">
-          <mc:Choice xmlns:a14="http://schemas.microsoft.com/office/drawing/2010/main" Requires="a14">
+        <mc:AlternateContent xmlns:mc="http://schemas.openxmlformats.org/markup-compatibility/2006" xmlns:a14="http://schemas.microsoft.com/office/drawing/2010/main">
+          <mc:Choice Requires="a14">
             <p:sp>
               <p:nvSpPr>
                 <p:cNvPr id="27" name="Rectangle 63">
@@ -27333,7 +27334,7 @@
               </p:txBody>
             </p:sp>
           </mc:Choice>
-          <mc:Fallback>
+          <mc:Fallback xmlns="">
             <p:sp>
               <p:nvSpPr>
                 <p:cNvPr id="27" name="Rectangle 63">
@@ -27683,8 +27684,8 @@
             </a:fontRef>
           </p:style>
         </p:cxnSp>
-        <mc:AlternateContent xmlns:mc="http://schemas.openxmlformats.org/markup-compatibility/2006">
-          <mc:Choice xmlns:a14="http://schemas.microsoft.com/office/drawing/2010/main" Requires="a14">
+        <mc:AlternateContent xmlns:mc="http://schemas.openxmlformats.org/markup-compatibility/2006" xmlns:a14="http://schemas.microsoft.com/office/drawing/2010/main">
+          <mc:Choice Requires="a14">
             <p:sp>
               <p:nvSpPr>
                 <p:cNvPr id="38" name="Rectangle 63">
@@ -27794,7 +27795,7 @@
               </p:txBody>
             </p:sp>
           </mc:Choice>
-          <mc:Fallback>
+          <mc:Fallback xmlns="">
             <p:sp>
               <p:nvSpPr>
                 <p:cNvPr id="38" name="Rectangle 63">
@@ -27839,8 +27840,8 @@
             </p:sp>
           </mc:Fallback>
         </mc:AlternateContent>
-        <mc:AlternateContent xmlns:mc="http://schemas.openxmlformats.org/markup-compatibility/2006">
-          <mc:Choice xmlns:a14="http://schemas.microsoft.com/office/drawing/2010/main" Requires="a14">
+        <mc:AlternateContent xmlns:mc="http://schemas.openxmlformats.org/markup-compatibility/2006" xmlns:a14="http://schemas.microsoft.com/office/drawing/2010/main">
+          <mc:Choice Requires="a14">
             <p:sp>
               <p:nvSpPr>
                 <p:cNvPr id="39" name="Rectangle 63">
@@ -27944,7 +27945,7 @@
               </p:txBody>
             </p:sp>
           </mc:Choice>
-          <mc:Fallback>
+          <mc:Fallback xmlns="">
             <p:sp>
               <p:nvSpPr>
                 <p:cNvPr id="39" name="Rectangle 63">
@@ -27990,8 +27991,8 @@
           </mc:Fallback>
         </mc:AlternateContent>
       </p:grpSp>
-      <mc:AlternateContent xmlns:mc="http://schemas.openxmlformats.org/markup-compatibility/2006">
-        <mc:Choice xmlns:a14="http://schemas.microsoft.com/office/drawing/2010/main" Requires="a14">
+      <mc:AlternateContent xmlns:mc="http://schemas.openxmlformats.org/markup-compatibility/2006" xmlns:a14="http://schemas.microsoft.com/office/drawing/2010/main">
+        <mc:Choice Requires="a14">
           <p:sp>
             <p:nvSpPr>
               <p:cNvPr id="40" name="Rectangle 63">
@@ -28092,7 +28093,7 @@
             </p:txBody>
           </p:sp>
         </mc:Choice>
-        <mc:Fallback>
+        <mc:Fallback xmlns="">
           <p:sp>
             <p:nvSpPr>
               <p:cNvPr id="40" name="Rectangle 63">
@@ -28198,8 +28199,8 @@
             </a:fontRef>
           </p:style>
         </p:cxnSp>
-        <mc:AlternateContent xmlns:mc="http://schemas.openxmlformats.org/markup-compatibility/2006">
-          <mc:Choice xmlns:a14="http://schemas.microsoft.com/office/drawing/2010/main" Requires="a14">
+        <mc:AlternateContent xmlns:mc="http://schemas.openxmlformats.org/markup-compatibility/2006" xmlns:a14="http://schemas.microsoft.com/office/drawing/2010/main">
+          <mc:Choice Requires="a14">
             <p:sp>
               <p:nvSpPr>
                 <p:cNvPr id="46" name="Rectangle 63">
@@ -28325,7 +28326,7 @@
               </p:txBody>
             </p:sp>
           </mc:Choice>
-          <mc:Fallback>
+          <mc:Fallback xmlns="">
             <p:sp>
               <p:nvSpPr>
                 <p:cNvPr id="46" name="Rectangle 63">
@@ -29102,8 +29103,8 @@
           </a:p>
         </p:txBody>
       </p:sp>
-      <mc:AlternateContent xmlns:mc="http://schemas.openxmlformats.org/markup-compatibility/2006">
-        <mc:Choice xmlns:a14="http://schemas.microsoft.com/office/drawing/2010/main" Requires="a14">
+      <mc:AlternateContent xmlns:mc="http://schemas.openxmlformats.org/markup-compatibility/2006" xmlns:a14="http://schemas.microsoft.com/office/drawing/2010/main">
+        <mc:Choice Requires="a14">
           <p:sp>
             <p:nvSpPr>
               <p:cNvPr id="4" name="Rectangle 63">
@@ -29294,7 +29295,7 @@
             </p:txBody>
           </p:sp>
         </mc:Choice>
-        <mc:Fallback>
+        <mc:Fallback xmlns="">
           <p:sp>
             <p:nvSpPr>
               <p:cNvPr id="4" name="Rectangle 63">
@@ -29339,8 +29340,8 @@
           </p:sp>
         </mc:Fallback>
       </mc:AlternateContent>
-      <mc:AlternateContent xmlns:mc="http://schemas.openxmlformats.org/markup-compatibility/2006">
-        <mc:Choice xmlns:a14="http://schemas.microsoft.com/office/drawing/2010/main" Requires="a14">
+      <mc:AlternateContent xmlns:mc="http://schemas.openxmlformats.org/markup-compatibility/2006" xmlns:a14="http://schemas.microsoft.com/office/drawing/2010/main">
+        <mc:Choice Requires="a14">
           <p:sp>
             <p:nvSpPr>
               <p:cNvPr id="5" name="Rectangle 63">
@@ -29418,7 +29419,7 @@
             </p:txBody>
           </p:sp>
         </mc:Choice>
-        <mc:Fallback>
+        <mc:Fallback xmlns="">
           <p:sp>
             <p:nvSpPr>
               <p:cNvPr id="5" name="Rectangle 63">
@@ -29510,8 +29511,8 @@
           </a:p>
         </p:txBody>
       </p:sp>
-      <mc:AlternateContent xmlns:mc="http://schemas.openxmlformats.org/markup-compatibility/2006">
-        <mc:Choice xmlns:a14="http://schemas.microsoft.com/office/drawing/2010/main" Requires="a14">
+      <mc:AlternateContent xmlns:mc="http://schemas.openxmlformats.org/markup-compatibility/2006" xmlns:a14="http://schemas.microsoft.com/office/drawing/2010/main">
+        <mc:Choice Requires="a14">
           <p:sp>
             <p:nvSpPr>
               <p:cNvPr id="7" name="Rectangle 6">
@@ -29539,6 +29540,7 @@
               </a:bodyPr>
               <a:lstStyle/>
               <a:p>
+                <a:pPr/>
                 <a14:m>
                   <m:oMathPara xmlns:m="http://schemas.openxmlformats.org/officeDocument/2006/math">
                     <m:oMathParaPr>
@@ -29564,7 +29566,7 @@
             </p:txBody>
           </p:sp>
         </mc:Choice>
-        <mc:Fallback>
+        <mc:Fallback xmlns="">
           <p:sp>
             <p:nvSpPr>
               <p:cNvPr id="7" name="Rectangle 6">
@@ -29650,8 +29652,8 @@
           </a:fontRef>
         </p:style>
       </p:cxnSp>
-      <mc:AlternateContent xmlns:mc="http://schemas.openxmlformats.org/markup-compatibility/2006">
-        <mc:Choice xmlns:a14="http://schemas.microsoft.com/office/drawing/2010/main" Requires="a14">
+      <mc:AlternateContent xmlns:mc="http://schemas.openxmlformats.org/markup-compatibility/2006" xmlns:a14="http://schemas.microsoft.com/office/drawing/2010/main">
+        <mc:Choice Requires="a14">
           <p:sp>
             <p:nvSpPr>
               <p:cNvPr id="20" name="Rectangle 63">
@@ -29763,7 +29765,7 @@
             </p:txBody>
           </p:sp>
         </mc:Choice>
-        <mc:Fallback>
+        <mc:Fallback xmlns="">
           <p:sp>
             <p:nvSpPr>
               <p:cNvPr id="20" name="Rectangle 63">
@@ -29849,8 +29851,8 @@
           </a:fontRef>
         </p:style>
       </p:cxnSp>
-      <mc:AlternateContent xmlns:mc="http://schemas.openxmlformats.org/markup-compatibility/2006">
-        <mc:Choice xmlns:a14="http://schemas.microsoft.com/office/drawing/2010/main" Requires="a14">
+      <mc:AlternateContent xmlns:mc="http://schemas.openxmlformats.org/markup-compatibility/2006" xmlns:a14="http://schemas.microsoft.com/office/drawing/2010/main">
+        <mc:Choice Requires="a14">
           <p:sp>
             <p:nvSpPr>
               <p:cNvPr id="22" name="Rectangle 63">
@@ -29970,7 +29972,7 @@
             </p:txBody>
           </p:sp>
         </mc:Choice>
-        <mc:Fallback>
+        <mc:Fallback xmlns="">
           <p:sp>
             <p:nvSpPr>
               <p:cNvPr id="22" name="Rectangle 63">
@@ -30178,8 +30180,8 @@
             </a:fontRef>
           </p:style>
         </p:cxnSp>
-        <mc:AlternateContent xmlns:mc="http://schemas.openxmlformats.org/markup-compatibility/2006">
-          <mc:Choice xmlns:a14="http://schemas.microsoft.com/office/drawing/2010/main" Requires="a14">
+        <mc:AlternateContent xmlns:mc="http://schemas.openxmlformats.org/markup-compatibility/2006" xmlns:a14="http://schemas.microsoft.com/office/drawing/2010/main">
+          <mc:Choice Requires="a14">
             <p:sp>
               <p:nvSpPr>
                 <p:cNvPr id="26" name="Rectangle 63">
@@ -30297,7 +30299,7 @@
               </p:txBody>
             </p:sp>
           </mc:Choice>
-          <mc:Fallback>
+          <mc:Fallback xmlns="">
             <p:sp>
               <p:nvSpPr>
                 <p:cNvPr id="26" name="Rectangle 63">
@@ -30342,8 +30344,8 @@
             </p:sp>
           </mc:Fallback>
         </mc:AlternateContent>
-        <mc:AlternateContent xmlns:mc="http://schemas.openxmlformats.org/markup-compatibility/2006">
-          <mc:Choice xmlns:a14="http://schemas.microsoft.com/office/drawing/2010/main" Requires="a14">
+        <mc:AlternateContent xmlns:mc="http://schemas.openxmlformats.org/markup-compatibility/2006" xmlns:a14="http://schemas.microsoft.com/office/drawing/2010/main">
+          <mc:Choice Requires="a14">
             <p:sp>
               <p:nvSpPr>
                 <p:cNvPr id="27" name="Rectangle 63">
@@ -30492,7 +30494,7 @@
               </p:txBody>
             </p:sp>
           </mc:Choice>
-          <mc:Fallback>
+          <mc:Fallback xmlns="">
             <p:sp>
               <p:nvSpPr>
                 <p:cNvPr id="27" name="Rectangle 63">
@@ -30722,8 +30724,8 @@
             </a:fontRef>
           </p:style>
         </p:cxnSp>
-        <mc:AlternateContent xmlns:mc="http://schemas.openxmlformats.org/markup-compatibility/2006">
-          <mc:Choice xmlns:a14="http://schemas.microsoft.com/office/drawing/2010/main" Requires="a14">
+        <mc:AlternateContent xmlns:mc="http://schemas.openxmlformats.org/markup-compatibility/2006" xmlns:a14="http://schemas.microsoft.com/office/drawing/2010/main">
+          <mc:Choice Requires="a14">
             <p:sp>
               <p:nvSpPr>
                 <p:cNvPr id="38" name="Rectangle 63">
@@ -30833,7 +30835,7 @@
               </p:txBody>
             </p:sp>
           </mc:Choice>
-          <mc:Fallback>
+          <mc:Fallback xmlns="">
             <p:sp>
               <p:nvSpPr>
                 <p:cNvPr id="38" name="Rectangle 63">
@@ -30878,8 +30880,8 @@
             </p:sp>
           </mc:Fallback>
         </mc:AlternateContent>
-        <mc:AlternateContent xmlns:mc="http://schemas.openxmlformats.org/markup-compatibility/2006">
-          <mc:Choice xmlns:a14="http://schemas.microsoft.com/office/drawing/2010/main" Requires="a14">
+        <mc:AlternateContent xmlns:mc="http://schemas.openxmlformats.org/markup-compatibility/2006" xmlns:a14="http://schemas.microsoft.com/office/drawing/2010/main">
+          <mc:Choice Requires="a14">
             <p:sp>
               <p:nvSpPr>
                 <p:cNvPr id="39" name="Rectangle 63">
@@ -30983,7 +30985,7 @@
               </p:txBody>
             </p:sp>
           </mc:Choice>
-          <mc:Fallback>
+          <mc:Fallback xmlns="">
             <p:sp>
               <p:nvSpPr>
                 <p:cNvPr id="39" name="Rectangle 63">
@@ -31090,8 +31092,8 @@
             </a:fontRef>
           </p:style>
         </p:cxnSp>
-        <mc:AlternateContent xmlns:mc="http://schemas.openxmlformats.org/markup-compatibility/2006">
-          <mc:Choice xmlns:a14="http://schemas.microsoft.com/office/drawing/2010/main" Requires="a14">
+        <mc:AlternateContent xmlns:mc="http://schemas.openxmlformats.org/markup-compatibility/2006" xmlns:a14="http://schemas.microsoft.com/office/drawing/2010/main">
+          <mc:Choice Requires="a14">
             <p:sp>
               <p:nvSpPr>
                 <p:cNvPr id="46" name="Rectangle 63">
@@ -31217,7 +31219,7 @@
               </p:txBody>
             </p:sp>
           </mc:Choice>
-          <mc:Fallback>
+          <mc:Fallback xmlns="">
             <p:sp>
               <p:nvSpPr>
                 <p:cNvPr id="46" name="Rectangle 63">
@@ -31263,8 +31265,8 @@
           </mc:Fallback>
         </mc:AlternateContent>
       </p:grpSp>
-      <mc:AlternateContent xmlns:mc="http://schemas.openxmlformats.org/markup-compatibility/2006">
-        <mc:Choice xmlns:a14="http://schemas.microsoft.com/office/drawing/2010/main" Requires="a14">
+      <mc:AlternateContent xmlns:mc="http://schemas.openxmlformats.org/markup-compatibility/2006" xmlns:a14="http://schemas.microsoft.com/office/drawing/2010/main">
+        <mc:Choice Requires="a14">
           <p:sp>
             <p:nvSpPr>
               <p:cNvPr id="47" name="Rectangle 63">
@@ -31385,7 +31387,7 @@
             </p:txBody>
           </p:sp>
         </mc:Choice>
-        <mc:Fallback>
+        <mc:Fallback xmlns="">
           <p:sp>
             <p:nvSpPr>
               <p:cNvPr id="47" name="Rectangle 63">
@@ -31430,8 +31432,8 @@
           </p:sp>
         </mc:Fallback>
       </mc:AlternateContent>
-      <mc:AlternateContent xmlns:mc="http://schemas.openxmlformats.org/markup-compatibility/2006">
-        <mc:Choice xmlns:a14="http://schemas.microsoft.com/office/drawing/2010/main" Requires="a14">
+      <mc:AlternateContent xmlns:mc="http://schemas.openxmlformats.org/markup-compatibility/2006" xmlns:a14="http://schemas.microsoft.com/office/drawing/2010/main">
+        <mc:Choice Requires="a14">
           <p:sp>
             <p:nvSpPr>
               <p:cNvPr id="48" name="Rectangle 63">
@@ -31526,7 +31528,7 @@
             </p:txBody>
           </p:sp>
         </mc:Choice>
-        <mc:Fallback>
+        <mc:Fallback xmlns="">
           <p:sp>
             <p:nvSpPr>
               <p:cNvPr id="48" name="Rectangle 63">
@@ -32094,8 +32096,8 @@
           </a:p>
         </p:txBody>
       </p:sp>
-      <mc:AlternateContent xmlns:mc="http://schemas.openxmlformats.org/markup-compatibility/2006">
-        <mc:Choice xmlns:a14="http://schemas.microsoft.com/office/drawing/2010/main" Requires="a14">
+      <mc:AlternateContent xmlns:mc="http://schemas.openxmlformats.org/markup-compatibility/2006" xmlns:a14="http://schemas.microsoft.com/office/drawing/2010/main">
+        <mc:Choice Requires="a14">
           <p:sp>
             <p:nvSpPr>
               <p:cNvPr id="4" name="Rectangle 63">
@@ -32173,7 +32175,7 @@
             </p:txBody>
           </p:sp>
         </mc:Choice>
-        <mc:Fallback>
+        <mc:Fallback xmlns="">
           <p:sp>
             <p:nvSpPr>
               <p:cNvPr id="4" name="Rectangle 63">
